--- a/Daily Agendas/Day1.5_Simon3.pptx
+++ b/Daily Agendas/Day1.5_Simon3.pptx
@@ -7,6 +7,7 @@
   <p:sldIdLst>
     <p:sldId id="258" r:id="rId2"/>
     <p:sldId id="256" r:id="rId3"/>
+    <p:sldId id="259" r:id="rId4"/>
   </p:sldIdLst>
   <p:sldSz cx="9144000" cy="6858000" type="screen4x3"/>
   <p:notesSz cx="6858000" cy="9144000"/>
@@ -304,7 +305,7 @@
             <a:fld id="{1D8BD707-D9CF-40AE-B4C6-C98DA3205C09}" type="datetimeFigureOut">
               <a:rPr lang="en-US" smtClean="0"/>
               <a:pPr/>
-              <a:t>8/30/2018</a:t>
+              <a:t>9/6/2018</a:t>
             </a:fld>
             <a:endParaRPr lang="en-US"/>
           </a:p>
@@ -469,7 +470,7 @@
             <a:fld id="{1D8BD707-D9CF-40AE-B4C6-C98DA3205C09}" type="datetimeFigureOut">
               <a:rPr lang="en-US" smtClean="0"/>
               <a:pPr/>
-              <a:t>8/30/2018</a:t>
+              <a:t>9/6/2018</a:t>
             </a:fld>
             <a:endParaRPr lang="en-US"/>
           </a:p>
@@ -644,7 +645,7 @@
             <a:fld id="{1D8BD707-D9CF-40AE-B4C6-C98DA3205C09}" type="datetimeFigureOut">
               <a:rPr lang="en-US" smtClean="0"/>
               <a:pPr/>
-              <a:t>8/30/2018</a:t>
+              <a:t>9/6/2018</a:t>
             </a:fld>
             <a:endParaRPr lang="en-US"/>
           </a:p>
@@ -809,7 +810,7 @@
             <a:fld id="{1D8BD707-D9CF-40AE-B4C6-C98DA3205C09}" type="datetimeFigureOut">
               <a:rPr lang="en-US" smtClean="0"/>
               <a:pPr/>
-              <a:t>8/30/2018</a:t>
+              <a:t>9/6/2018</a:t>
             </a:fld>
             <a:endParaRPr lang="en-US"/>
           </a:p>
@@ -1051,7 +1052,7 @@
             <a:fld id="{1D8BD707-D9CF-40AE-B4C6-C98DA3205C09}" type="datetimeFigureOut">
               <a:rPr lang="en-US" smtClean="0"/>
               <a:pPr/>
-              <a:t>8/30/2018</a:t>
+              <a:t>9/6/2018</a:t>
             </a:fld>
             <a:endParaRPr lang="en-US"/>
           </a:p>
@@ -1333,7 +1334,7 @@
             <a:fld id="{1D8BD707-D9CF-40AE-B4C6-C98DA3205C09}" type="datetimeFigureOut">
               <a:rPr lang="en-US" smtClean="0"/>
               <a:pPr/>
-              <a:t>8/30/2018</a:t>
+              <a:t>9/6/2018</a:t>
             </a:fld>
             <a:endParaRPr lang="en-US"/>
           </a:p>
@@ -1749,7 +1750,7 @@
             <a:fld id="{1D8BD707-D9CF-40AE-B4C6-C98DA3205C09}" type="datetimeFigureOut">
               <a:rPr lang="en-US" smtClean="0"/>
               <a:pPr/>
-              <a:t>8/30/2018</a:t>
+              <a:t>9/6/2018</a:t>
             </a:fld>
             <a:endParaRPr lang="en-US"/>
           </a:p>
@@ -1863,7 +1864,7 @@
             <a:fld id="{1D8BD707-D9CF-40AE-B4C6-C98DA3205C09}" type="datetimeFigureOut">
               <a:rPr lang="en-US" smtClean="0"/>
               <a:pPr/>
-              <a:t>8/30/2018</a:t>
+              <a:t>9/6/2018</a:t>
             </a:fld>
             <a:endParaRPr lang="en-US"/>
           </a:p>
@@ -1955,7 +1956,7 @@
             <a:fld id="{1D8BD707-D9CF-40AE-B4C6-C98DA3205C09}" type="datetimeFigureOut">
               <a:rPr lang="en-US" smtClean="0"/>
               <a:pPr/>
-              <a:t>8/30/2018</a:t>
+              <a:t>9/6/2018</a:t>
             </a:fld>
             <a:endParaRPr lang="en-US"/>
           </a:p>
@@ -2227,7 +2228,7 @@
             <a:fld id="{1D8BD707-D9CF-40AE-B4C6-C98DA3205C09}" type="datetimeFigureOut">
               <a:rPr lang="en-US" smtClean="0"/>
               <a:pPr/>
-              <a:t>8/30/2018</a:t>
+              <a:t>9/6/2018</a:t>
             </a:fld>
             <a:endParaRPr lang="en-US"/>
           </a:p>
@@ -2476,7 +2477,7 @@
             <a:fld id="{1D8BD707-D9CF-40AE-B4C6-C98DA3205C09}" type="datetimeFigureOut">
               <a:rPr lang="en-US" smtClean="0"/>
               <a:pPr/>
-              <a:t>8/30/2018</a:t>
+              <a:t>9/6/2018</a:t>
             </a:fld>
             <a:endParaRPr lang="en-US"/>
           </a:p>
@@ -2684,7 +2685,7 @@
             <a:fld id="{1D8BD707-D9CF-40AE-B4C6-C98DA3205C09}" type="datetimeFigureOut">
               <a:rPr lang="en-US" smtClean="0"/>
               <a:pPr/>
-              <a:t>8/30/2018</a:t>
+              <a:t>9/6/2018</a:t>
             </a:fld>
             <a:endParaRPr lang="en-US"/>
           </a:p>
@@ -3256,6 +3257,143 @@
         </p:txBody>
       </p:sp>
     </p:spTree>
+  </p:cSld>
+  <p:clrMapOvr>
+    <a:masterClrMapping/>
+  </p:clrMapOvr>
+</p:sld>
+</file>
+
+<file path=ppt/slides/slide3.xml><?xml version="1.0" encoding="utf-8"?>
+<p:sld xmlns:a="http://schemas.openxmlformats.org/drawingml/2006/main" xmlns:r="http://schemas.openxmlformats.org/officeDocument/2006/relationships" xmlns:p="http://schemas.openxmlformats.org/presentationml/2006/main">
+  <p:cSld>
+    <p:spTree>
+      <p:nvGrpSpPr>
+        <p:cNvPr id="1" name=""/>
+        <p:cNvGrpSpPr/>
+        <p:nvPr/>
+      </p:nvGrpSpPr>
+      <p:grpSpPr>
+        <a:xfrm>
+          <a:off x="0" y="0"/>
+          <a:ext cx="0" cy="0"/>
+          <a:chOff x="0" y="0"/>
+          <a:chExt cx="0" cy="0"/>
+        </a:xfrm>
+      </p:grpSpPr>
+      <p:sp>
+        <p:nvSpPr>
+          <p:cNvPr id="2" name="Title 1"/>
+          <p:cNvSpPr>
+            <a:spLocks noGrp="1"/>
+          </p:cNvSpPr>
+          <p:nvPr>
+            <p:ph type="title"/>
+          </p:nvPr>
+        </p:nvSpPr>
+        <p:spPr/>
+        <p:txBody>
+          <a:bodyPr/>
+          <a:lstStyle/>
+          <a:p>
+            <a:r>
+              <a:rPr lang="en-CA" dirty="0" err="1" smtClean="0"/>
+              <a:t>Nethack</a:t>
+            </a:r>
+            <a:r>
+              <a:rPr lang="en-CA" dirty="0" smtClean="0"/>
+              <a:t> Fun</a:t>
+            </a:r>
+            <a:endParaRPr lang="en-US" dirty="0"/>
+          </a:p>
+        </p:txBody>
+      </p:sp>
+      <p:sp>
+        <p:nvSpPr>
+          <p:cNvPr id="3" name="Content Placeholder 2"/>
+          <p:cNvSpPr>
+            <a:spLocks noGrp="1"/>
+          </p:cNvSpPr>
+          <p:nvPr>
+            <p:ph idx="1"/>
+          </p:nvPr>
+        </p:nvSpPr>
+        <p:spPr/>
+        <p:txBody>
+          <a:bodyPr/>
+          <a:lstStyle/>
+          <a:p>
+            <a:r>
+              <a:rPr lang="en-CA" dirty="0" err="1" smtClean="0"/>
+              <a:t>Nethack</a:t>
+            </a:r>
+            <a:r>
+              <a:rPr lang="en-CA" dirty="0" smtClean="0"/>
+              <a:t> – Retro Game</a:t>
+            </a:r>
+          </a:p>
+          <a:p>
+            <a:pPr lvl="1"/>
+            <a:r>
+              <a:rPr lang="en-CA" dirty="0" smtClean="0"/>
+              <a:t>The game played by computer experts.</a:t>
+            </a:r>
+          </a:p>
+          <a:p>
+            <a:endParaRPr lang="en-CA" dirty="0"/>
+          </a:p>
+          <a:p>
+            <a:r>
+              <a:rPr lang="en-CA" dirty="0" smtClean="0"/>
+              <a:t>Resources:</a:t>
+            </a:r>
+          </a:p>
+          <a:p>
+            <a:pPr lvl="1"/>
+            <a:r>
+              <a:rPr lang="en-CA" dirty="0" smtClean="0"/>
+              <a:t>Google “</a:t>
+            </a:r>
+            <a:r>
+              <a:rPr lang="en-CA" dirty="0" err="1" smtClean="0"/>
+              <a:t>Nethack</a:t>
+            </a:r>
+            <a:r>
+              <a:rPr lang="en-CA" dirty="0" smtClean="0"/>
+              <a:t> Online”</a:t>
+            </a:r>
+          </a:p>
+          <a:p>
+            <a:pPr lvl="1"/>
+            <a:r>
+              <a:rPr lang="en-CA" dirty="0" smtClean="0"/>
+              <a:t>Select “alt.org/</a:t>
+            </a:r>
+            <a:r>
+              <a:rPr lang="en-CA" dirty="0" err="1" smtClean="0"/>
+              <a:t>nethack</a:t>
+            </a:r>
+            <a:r>
+              <a:rPr lang="en-CA" dirty="0" smtClean="0"/>
+              <a:t>”</a:t>
+            </a:r>
+          </a:p>
+          <a:p>
+            <a:pPr lvl="1"/>
+            <a:r>
+              <a:rPr lang="en-CA" dirty="0" smtClean="0"/>
+              <a:t>Create a fake account</a:t>
+            </a:r>
+            <a:endParaRPr lang="en-US" dirty="0"/>
+          </a:p>
+        </p:txBody>
+      </p:sp>
+    </p:spTree>
+    <p:extLst>
+      <p:ext uri="{BB962C8B-B14F-4D97-AF65-F5344CB8AC3E}">
+        <p14:creationId xmlns:p14="http://schemas.microsoft.com/office/powerpoint/2010/main" val="218357493"/>
+      </p:ext>
+    </p:extLst>
   </p:cSld>
   <p:clrMapOvr>
     <a:masterClrMapping/>
